--- a/mylearnings/mylecturenotes/PPI_and_CPI.pptx
+++ b/mylearnings/mylecturenotes/PPI_and_CPI.pptx
@@ -5,7 +5,7 @@
     <p:sldMasterId id="2147483648" r:id="rId1"/>
   </p:sldMasterIdLst>
   <p:notesMasterIdLst>
-    <p:notesMasterId r:id="rId12"/>
+    <p:notesMasterId r:id="rId13"/>
   </p:notesMasterIdLst>
   <p:sldIdLst>
     <p:sldId id="256" r:id="rId2"/>
@@ -17,7 +17,8 @@
     <p:sldId id="265" r:id="rId8"/>
     <p:sldId id="263" r:id="rId9"/>
     <p:sldId id="262" r:id="rId10"/>
-    <p:sldId id="266" r:id="rId11"/>
+    <p:sldId id="267" r:id="rId11"/>
+    <p:sldId id="266" r:id="rId12"/>
   </p:sldIdLst>
   <p:sldSz cx="12192000" cy="6858000"/>
   <p:notesSz cx="6858000" cy="9144000"/>
@@ -533,7 +534,7 @@
           <a:p>
             <a:fld id="{0D23D8EE-8CDF-304B-8661-4D2E46935767}" type="slidenum">
               <a:rPr lang="en-US" smtClean="0"/>
-              <a:t>10</a:t>
+              <a:t>11</a:t>
             </a:fld>
             <a:endParaRPr lang="en-US"/>
           </a:p>
@@ -697,7 +698,7 @@
           <a:bodyPr/>
           <a:lstStyle/>
           <a:p>
-            <a:fld id="{A3F8809D-CF00-8942-9370-DC4D7D3935C6}" type="datetime1">
+            <a:fld id="{733A681D-2964-654B-99CA-77A17680D401}" type="datetime1">
               <a:rPr lang="en-US" smtClean="0"/>
               <a:t>4/14/24</a:t>
             </a:fld>
@@ -895,7 +896,7 @@
           <a:bodyPr/>
           <a:lstStyle/>
           <a:p>
-            <a:fld id="{F67CC776-07A9-0941-B4DC-B6E7C401B67C}" type="datetime1">
+            <a:fld id="{6AC813CF-1ABB-2D4F-A12A-79A0E680B9B7}" type="datetime1">
               <a:rPr lang="en-US" smtClean="0"/>
               <a:t>4/14/24</a:t>
             </a:fld>
@@ -1103,7 +1104,7 @@
           <a:bodyPr/>
           <a:lstStyle/>
           <a:p>
-            <a:fld id="{E3C297E5-0AFE-7C41-8ECD-551C941CB031}" type="datetime1">
+            <a:fld id="{C37D5A86-2625-7944-8E79-6FCA3FE5A2FC}" type="datetime1">
               <a:rPr lang="en-US" smtClean="0"/>
               <a:t>4/14/24</a:t>
             </a:fld>
@@ -1301,7 +1302,7 @@
           <a:bodyPr/>
           <a:lstStyle/>
           <a:p>
-            <a:fld id="{007B454C-7729-3D4C-8B23-E0AC3F924967}" type="datetime1">
+            <a:fld id="{83BF3FE0-E9CF-7743-B3EC-2CAE83E92409}" type="datetime1">
               <a:rPr lang="en-US" smtClean="0"/>
               <a:t>4/14/24</a:t>
             </a:fld>
@@ -1576,7 +1577,7 @@
           <a:bodyPr/>
           <a:lstStyle/>
           <a:p>
-            <a:fld id="{4A7120D1-958B-3944-A953-C33B9A2B7BCD}" type="datetime1">
+            <a:fld id="{2C0A3536-676E-884E-A02E-5BE8FC8D55B1}" type="datetime1">
               <a:rPr lang="en-US" smtClean="0"/>
               <a:t>4/14/24</a:t>
             </a:fld>
@@ -1841,7 +1842,7 @@
           <a:bodyPr/>
           <a:lstStyle/>
           <a:p>
-            <a:fld id="{6755EF97-251B-9E41-A410-1D68FC97A907}" type="datetime1">
+            <a:fld id="{4C76DC1E-9D82-D84E-AA6D-38D20CD8B522}" type="datetime1">
               <a:rPr lang="en-US" smtClean="0"/>
               <a:t>4/14/24</a:t>
             </a:fld>
@@ -2253,7 +2254,7 @@
           <a:bodyPr/>
           <a:lstStyle/>
           <a:p>
-            <a:fld id="{E4980B21-1986-5741-A45F-9DA4420C62A0}" type="datetime1">
+            <a:fld id="{4D834726-FAD5-4D41-B71F-02C7F973B945}" type="datetime1">
               <a:rPr lang="en-US" smtClean="0"/>
               <a:t>4/14/24</a:t>
             </a:fld>
@@ -2394,7 +2395,7 @@
           <a:bodyPr/>
           <a:lstStyle/>
           <a:p>
-            <a:fld id="{60905285-369D-5B46-BB9F-E49FEDD7D7F7}" type="datetime1">
+            <a:fld id="{7D2008A5-CB9B-1448-A478-C15F26F6A53D}" type="datetime1">
               <a:rPr lang="en-US" smtClean="0"/>
               <a:t>4/14/24</a:t>
             </a:fld>
@@ -2507,7 +2508,7 @@
           <a:bodyPr/>
           <a:lstStyle/>
           <a:p>
-            <a:fld id="{800BA2E2-55E0-0645-B5D4-9C02882FCE8D}" type="datetime1">
+            <a:fld id="{FE7D2882-F41F-5848-8ECA-824202EDDCC2}" type="datetime1">
               <a:rPr lang="en-US" smtClean="0"/>
               <a:t>4/14/24</a:t>
             </a:fld>
@@ -2818,7 +2819,7 @@
           <a:bodyPr/>
           <a:lstStyle/>
           <a:p>
-            <a:fld id="{195CB291-DA9C-B742-B9AF-401390A34519}" type="datetime1">
+            <a:fld id="{3C886515-8C28-5A4E-8EE3-E83F24946174}" type="datetime1">
               <a:rPr lang="en-US" smtClean="0"/>
               <a:t>4/14/24</a:t>
             </a:fld>
@@ -3106,7 +3107,7 @@
           <a:bodyPr/>
           <a:lstStyle/>
           <a:p>
-            <a:fld id="{8FF321ED-F209-D047-83A4-7F5526F02529}" type="datetime1">
+            <a:fld id="{B9490E18-2DCC-B04C-B19C-BB81D28014CC}" type="datetime1">
               <a:rPr lang="en-US" smtClean="0"/>
               <a:t>4/14/24</a:t>
             </a:fld>
@@ -3347,7 +3348,7 @@
             </a:lvl1pPr>
           </a:lstStyle>
           <a:p>
-            <a:fld id="{2C1FD99C-7D96-DC4D-AA33-21FF7C22690C}" type="datetime1">
+            <a:fld id="{CEB08769-BA3F-7F49-A138-3C6D4A804B9E}" type="datetime1">
               <a:rPr lang="en-US" smtClean="0"/>
               <a:t>4/14/24</a:t>
             </a:fld>
@@ -3884,6 +3885,228 @@
           <p:cNvPr id="2" name="Title 1">
             <a:extLst>
               <a:ext uri="{FF2B5EF4-FFF2-40B4-BE49-F238E27FC236}">
+                <a16:creationId xmlns:a16="http://schemas.microsoft.com/office/drawing/2014/main" id="{C15E78D3-9704-EAB2-AF65-54F3E55C0004}"/>
+              </a:ext>
+            </a:extLst>
+          </p:cNvPr>
+          <p:cNvSpPr>
+            <a:spLocks noGrp="1"/>
+          </p:cNvSpPr>
+          <p:nvPr>
+            <p:ph type="title"/>
+          </p:nvPr>
+        </p:nvSpPr>
+        <p:spPr>
+          <a:xfrm>
+            <a:off x="136072" y="58283"/>
+            <a:ext cx="10515600" cy="622754"/>
+          </a:xfrm>
+        </p:spPr>
+        <p:txBody>
+          <a:bodyPr>
+            <a:normAutofit fontScale="90000"/>
+          </a:bodyPr>
+          <a:lstStyle/>
+          <a:p>
+            <a:r>
+              <a:rPr lang="en-US" dirty="0"/>
+              <a:t>What the celebrities thought  ? </a:t>
+            </a:r>
+          </a:p>
+        </p:txBody>
+      </p:sp>
+      <p:sp>
+        <p:nvSpPr>
+          <p:cNvPr id="3" name="Content Placeholder 2">
+            <a:extLst>
+              <a:ext uri="{FF2B5EF4-FFF2-40B4-BE49-F238E27FC236}">
+                <a16:creationId xmlns:a16="http://schemas.microsoft.com/office/drawing/2014/main" id="{12B65D4D-3FB6-2359-C486-A73CB9EAFDFC}"/>
+              </a:ext>
+            </a:extLst>
+          </p:cNvPr>
+          <p:cNvSpPr>
+            <a:spLocks noGrp="1"/>
+          </p:cNvSpPr>
+          <p:nvPr>
+            <p:ph idx="1"/>
+          </p:nvPr>
+        </p:nvSpPr>
+        <p:spPr>
+          <a:xfrm>
+            <a:off x="291192" y="1050017"/>
+            <a:ext cx="11261271" cy="4975225"/>
+          </a:xfrm>
+        </p:spPr>
+        <p:txBody>
+          <a:bodyPr>
+            <a:normAutofit lnSpcReduction="10000"/>
+          </a:bodyPr>
+          <a:lstStyle/>
+          <a:p>
+            <a:r>
+              <a:rPr lang="en-US" dirty="0"/>
+              <a:t>Lawrence Summers </a:t>
+            </a:r>
+          </a:p>
+          <a:p>
+            <a:pPr lvl="1"/>
+            <a:r>
+              <a:rPr lang="en-US" dirty="0"/>
+              <a:t>On current facts, a June cut is dangerous and egregious </a:t>
+            </a:r>
+          </a:p>
+          <a:p>
+            <a:pPr lvl="2"/>
+            <a:r>
+              <a:rPr lang="en-US" dirty="0"/>
+              <a:t>It will be another policy mistake similar to summer 2021 (transitory inflation story)</a:t>
+            </a:r>
+          </a:p>
+          <a:p>
+            <a:pPr lvl="1"/>
+            <a:r>
+              <a:rPr lang="en-US" dirty="0"/>
+              <a:t>A serious possibility that the next rate move will be a rate hike</a:t>
+            </a:r>
+          </a:p>
+          <a:p>
+            <a:pPr marL="457200" lvl="1" indent="0">
+              <a:buNone/>
+            </a:pPr>
+            <a:r>
+              <a:rPr lang="en-US" sz="1600" dirty="0">
+                <a:hlinkClick r:id="rId2"/>
+              </a:rPr>
+              <a:t>https://www.youtube.com/watch?v=LXDNZuYUn-o</a:t>
+            </a:r>
+            <a:endParaRPr lang="en-US" sz="1600" dirty="0"/>
+          </a:p>
+          <a:p>
+            <a:endParaRPr lang="en-US" dirty="0"/>
+          </a:p>
+          <a:p>
+            <a:r>
+              <a:rPr lang="en-US" dirty="0"/>
+              <a:t>Mohamed El-</a:t>
+            </a:r>
+            <a:r>
+              <a:rPr lang="en-US" dirty="0" err="1"/>
+              <a:t>Erian</a:t>
+            </a:r>
+            <a:endParaRPr lang="en-US" dirty="0"/>
+          </a:p>
+          <a:p>
+            <a:pPr lvl="1"/>
+            <a:r>
+              <a:rPr lang="en-US" dirty="0"/>
+              <a:t>No June cut</a:t>
+            </a:r>
+          </a:p>
+          <a:p>
+            <a:pPr lvl="1"/>
+            <a:r>
+              <a:rPr lang="en-US" dirty="0"/>
+              <a:t>Still go with two cuts in 2024 </a:t>
+            </a:r>
+          </a:p>
+          <a:p>
+            <a:pPr lvl="1"/>
+            <a:r>
+              <a:rPr lang="en-US" dirty="0"/>
+              <a:t>A rate hike will be a huge mistake </a:t>
+            </a:r>
+          </a:p>
+          <a:p>
+            <a:pPr lvl="1"/>
+            <a:r>
+              <a:rPr lang="en-US" dirty="0"/>
+              <a:t>Shift from 2% to 3% inflation target on the short/medium term, and then target 2% long term</a:t>
+            </a:r>
+          </a:p>
+          <a:p>
+            <a:pPr marL="457200" lvl="1" indent="0">
+              <a:buNone/>
+            </a:pPr>
+            <a:r>
+              <a:rPr lang="en-US" sz="1600" dirty="0">
+                <a:hlinkClick r:id="rId3"/>
+              </a:rPr>
+              <a:t>https://www.youtube.com/watch?v=oboOSd0NTBk</a:t>
+            </a:r>
+            <a:endParaRPr lang="en-US" sz="1600" dirty="0"/>
+          </a:p>
+          <a:p>
+            <a:pPr marL="457200" lvl="1" indent="0">
+              <a:buNone/>
+            </a:pPr>
+            <a:endParaRPr lang="en-US" dirty="0"/>
+          </a:p>
+        </p:txBody>
+      </p:sp>
+      <p:sp>
+        <p:nvSpPr>
+          <p:cNvPr id="4" name="Slide Number Placeholder 3">
+            <a:extLst>
+              <a:ext uri="{FF2B5EF4-FFF2-40B4-BE49-F238E27FC236}">
+                <a16:creationId xmlns:a16="http://schemas.microsoft.com/office/drawing/2014/main" id="{DC90A50C-BB94-D927-4C2C-30075C13BFD7}"/>
+              </a:ext>
+            </a:extLst>
+          </p:cNvPr>
+          <p:cNvSpPr>
+            <a:spLocks noGrp="1"/>
+          </p:cNvSpPr>
+          <p:nvPr>
+            <p:ph type="sldNum" sz="quarter" idx="12"/>
+          </p:nvPr>
+        </p:nvSpPr>
+        <p:spPr/>
+        <p:txBody>
+          <a:bodyPr/>
+          <a:lstStyle/>
+          <a:p>
+            <a:fld id="{D1840BFD-A723-9045-A54F-AE39A55C4A38}" type="slidenum">
+              <a:rPr lang="en-US" smtClean="0"/>
+              <a:t>10</a:t>
+            </a:fld>
+            <a:endParaRPr lang="en-US"/>
+          </a:p>
+        </p:txBody>
+      </p:sp>
+    </p:spTree>
+    <p:extLst>
+      <p:ext uri="{BB962C8B-B14F-4D97-AF65-F5344CB8AC3E}">
+        <p14:creationId xmlns:p14="http://schemas.microsoft.com/office/powerpoint/2010/main" val="3472185600"/>
+      </p:ext>
+    </p:extLst>
+  </p:cSld>
+  <p:clrMapOvr>
+    <a:masterClrMapping/>
+  </p:clrMapOvr>
+</p:sld>
+</file>
+
+<file path=ppt/slides/slide11.xml><?xml version="1.0" encoding="utf-8"?>
+<p:sld xmlns:a="http://schemas.openxmlformats.org/drawingml/2006/main" xmlns:r="http://schemas.openxmlformats.org/officeDocument/2006/relationships" xmlns:p="http://schemas.openxmlformats.org/presentationml/2006/main">
+  <p:cSld>
+    <p:spTree>
+      <p:nvGrpSpPr>
+        <p:cNvPr id="1" name=""/>
+        <p:cNvGrpSpPr/>
+        <p:nvPr/>
+      </p:nvGrpSpPr>
+      <p:grpSpPr>
+        <a:xfrm>
+          <a:off x="0" y="0"/>
+          <a:ext cx="0" cy="0"/>
+          <a:chOff x="0" y="0"/>
+          <a:chExt cx="0" cy="0"/>
+        </a:xfrm>
+      </p:grpSpPr>
+      <p:sp>
+        <p:nvSpPr>
+          <p:cNvPr id="2" name="Title 1">
+            <a:extLst>
+              <a:ext uri="{FF2B5EF4-FFF2-40B4-BE49-F238E27FC236}">
                 <a16:creationId xmlns:a16="http://schemas.microsoft.com/office/drawing/2014/main" id="{42C7D40A-DE78-718B-553B-EC46F93FE078}"/>
               </a:ext>
             </a:extLst>
@@ -4625,6 +4848,35 @@
               <a:rPr lang="en-US" sz="1200" dirty="0"/>
               <a:t>Stagnation</a:t>
             </a:r>
+          </a:p>
+        </p:txBody>
+      </p:sp>
+      <p:sp>
+        <p:nvSpPr>
+          <p:cNvPr id="3" name="Slide Number Placeholder 2">
+            <a:extLst>
+              <a:ext uri="{FF2B5EF4-FFF2-40B4-BE49-F238E27FC236}">
+                <a16:creationId xmlns:a16="http://schemas.microsoft.com/office/drawing/2014/main" id="{760D15D8-41C5-CE8D-3653-06C208B88BD0}"/>
+              </a:ext>
+            </a:extLst>
+          </p:cNvPr>
+          <p:cNvSpPr>
+            <a:spLocks noGrp="1"/>
+          </p:cNvSpPr>
+          <p:nvPr>
+            <p:ph type="sldNum" sz="quarter" idx="12"/>
+          </p:nvPr>
+        </p:nvSpPr>
+        <p:spPr/>
+        <p:txBody>
+          <a:bodyPr/>
+          <a:lstStyle/>
+          <a:p>
+            <a:fld id="{D1840BFD-A723-9045-A54F-AE39A55C4A38}" type="slidenum">
+              <a:rPr lang="en-US" smtClean="0"/>
+              <a:t>11</a:t>
+            </a:fld>
+            <a:endParaRPr lang="en-US"/>
           </a:p>
         </p:txBody>
       </p:sp>

--- a/mylearnings/mylecturenotes/PPI_and_CPI.pptx
+++ b/mylearnings/mylecturenotes/PPI_and_CPI.pptx
@@ -3939,7 +3939,7 @@
         </p:spPr>
         <p:txBody>
           <a:bodyPr>
-            <a:normAutofit lnSpcReduction="10000"/>
+            <a:normAutofit fontScale="92500" lnSpcReduction="10000"/>
           </a:bodyPr>
           <a:lstStyle/>
           <a:p>
@@ -4007,6 +4007,13 @@
             <a:r>
               <a:rPr lang="en-US" dirty="0"/>
               <a:t>Still go with two cuts in 2024 </a:t>
+            </a:r>
+          </a:p>
+          <a:p>
+            <a:pPr lvl="2"/>
+            <a:r>
+              <a:rPr lang="en-US" dirty="0"/>
+              <a:t>Otherwise , growth will be sacrificed </a:t>
             </a:r>
           </a:p>
           <a:p>

--- a/mylearnings/mylecturenotes/PPI_and_CPI.pptx
+++ b/mylearnings/mylecturenotes/PPI_and_CPI.pptx
@@ -5138,12 +5138,12 @@
         <p:spPr>
           <a:xfrm>
             <a:off x="673813" y="1253331"/>
-            <a:ext cx="5257800" cy="3179876"/>
+            <a:ext cx="5257800" cy="2175669"/>
           </a:xfrm>
         </p:spPr>
         <p:txBody>
           <a:bodyPr>
-            <a:normAutofit/>
+            <a:normAutofit fontScale="92500" lnSpcReduction="20000"/>
           </a:bodyPr>
           <a:lstStyle/>
           <a:p>
@@ -5271,8 +5271,8 @@
         </p:nvSpPr>
         <p:spPr>
           <a:xfrm>
-            <a:off x="673812" y="5078394"/>
-            <a:ext cx="5257799" cy="1150956"/>
+            <a:off x="2139043" y="5515583"/>
+            <a:ext cx="8499022" cy="1150956"/>
           </a:xfrm>
           <a:prstGeom prst="rect">
             <a:avLst/>
@@ -5280,7 +5280,7 @@
         </p:spPr>
         <p:txBody>
           <a:bodyPr vert="horz" lIns="91440" tIns="45720" rIns="91440" bIns="45720" rtlCol="0">
-            <a:normAutofit fontScale="70000" lnSpcReduction="20000"/>
+            <a:normAutofit lnSpcReduction="10000"/>
           </a:bodyPr>
           <a:lstStyle>
             <a:lvl1pPr marL="228600" indent="-228600" algn="l" defTabSz="914400" rtl="0" eaLnBrk="1" latinLnBrk="0" hangingPunct="1">
@@ -5555,6 +5555,256 @@
               <a:t>3</a:t>
             </a:fld>
             <a:endParaRPr lang="en-US"/>
+          </a:p>
+        </p:txBody>
+      </p:sp>
+      <p:sp>
+        <p:nvSpPr>
+          <p:cNvPr id="8" name="Content Placeholder 2">
+            <a:extLst>
+              <a:ext uri="{FF2B5EF4-FFF2-40B4-BE49-F238E27FC236}">
+                <a16:creationId xmlns:a16="http://schemas.microsoft.com/office/drawing/2014/main" id="{31C3F0DB-75D3-D840-AAC6-60EF11D8A81C}"/>
+              </a:ext>
+            </a:extLst>
+          </p:cNvPr>
+          <p:cNvSpPr txBox="1">
+            <a:spLocks/>
+          </p:cNvSpPr>
+          <p:nvPr/>
+        </p:nvSpPr>
+        <p:spPr>
+          <a:xfrm>
+            <a:off x="532298" y="3429000"/>
+            <a:ext cx="5257799" cy="1901040"/>
+          </a:xfrm>
+          <a:prstGeom prst="rect">
+            <a:avLst/>
+          </a:prstGeom>
+        </p:spPr>
+        <p:txBody>
+          <a:bodyPr vert="horz" lIns="91440" tIns="45720" rIns="91440" bIns="45720" rtlCol="0">
+            <a:normAutofit/>
+          </a:bodyPr>
+          <a:lstStyle>
+            <a:lvl1pPr marL="228600" indent="-228600" algn="l" defTabSz="914400" rtl="0" eaLnBrk="1" latinLnBrk="0" hangingPunct="1">
+              <a:lnSpc>
+                <a:spcPct val="90000"/>
+              </a:lnSpc>
+              <a:spcBef>
+                <a:spcPts val="1000"/>
+              </a:spcBef>
+              <a:buFont typeface="Arial" panose="020B0604020202020204" pitchFamily="34" charset="0"/>
+              <a:buChar char="•"/>
+              <a:defRPr sz="2800" kern="1200">
+                <a:solidFill>
+                  <a:schemeClr val="tx1"/>
+                </a:solidFill>
+                <a:latin typeface="+mn-lt"/>
+                <a:ea typeface="+mn-ea"/>
+                <a:cs typeface="+mn-cs"/>
+              </a:defRPr>
+            </a:lvl1pPr>
+            <a:lvl2pPr marL="685800" indent="-228600" algn="l" defTabSz="914400" rtl="0" eaLnBrk="1" latinLnBrk="0" hangingPunct="1">
+              <a:lnSpc>
+                <a:spcPct val="90000"/>
+              </a:lnSpc>
+              <a:spcBef>
+                <a:spcPts val="500"/>
+              </a:spcBef>
+              <a:buFont typeface="Arial" panose="020B0604020202020204" pitchFamily="34" charset="0"/>
+              <a:buChar char="•"/>
+              <a:defRPr sz="2400" kern="1200">
+                <a:solidFill>
+                  <a:schemeClr val="tx1"/>
+                </a:solidFill>
+                <a:latin typeface="+mn-lt"/>
+                <a:ea typeface="+mn-ea"/>
+                <a:cs typeface="+mn-cs"/>
+              </a:defRPr>
+            </a:lvl2pPr>
+            <a:lvl3pPr marL="1143000" indent="-228600" algn="l" defTabSz="914400" rtl="0" eaLnBrk="1" latinLnBrk="0" hangingPunct="1">
+              <a:lnSpc>
+                <a:spcPct val="90000"/>
+              </a:lnSpc>
+              <a:spcBef>
+                <a:spcPts val="500"/>
+              </a:spcBef>
+              <a:buFont typeface="Arial" panose="020B0604020202020204" pitchFamily="34" charset="0"/>
+              <a:buChar char="•"/>
+              <a:defRPr sz="2000" kern="1200">
+                <a:solidFill>
+                  <a:schemeClr val="tx1"/>
+                </a:solidFill>
+                <a:latin typeface="+mn-lt"/>
+                <a:ea typeface="+mn-ea"/>
+                <a:cs typeface="+mn-cs"/>
+              </a:defRPr>
+            </a:lvl3pPr>
+            <a:lvl4pPr marL="1600200" indent="-228600" algn="l" defTabSz="914400" rtl="0" eaLnBrk="1" latinLnBrk="0" hangingPunct="1">
+              <a:lnSpc>
+                <a:spcPct val="90000"/>
+              </a:lnSpc>
+              <a:spcBef>
+                <a:spcPts val="500"/>
+              </a:spcBef>
+              <a:buFont typeface="Arial" panose="020B0604020202020204" pitchFamily="34" charset="0"/>
+              <a:buChar char="•"/>
+              <a:defRPr sz="1800" kern="1200">
+                <a:solidFill>
+                  <a:schemeClr val="tx1"/>
+                </a:solidFill>
+                <a:latin typeface="+mn-lt"/>
+                <a:ea typeface="+mn-ea"/>
+                <a:cs typeface="+mn-cs"/>
+              </a:defRPr>
+            </a:lvl4pPr>
+            <a:lvl5pPr marL="2057400" indent="-228600" algn="l" defTabSz="914400" rtl="0" eaLnBrk="1" latinLnBrk="0" hangingPunct="1">
+              <a:lnSpc>
+                <a:spcPct val="90000"/>
+              </a:lnSpc>
+              <a:spcBef>
+                <a:spcPts val="500"/>
+              </a:spcBef>
+              <a:buFont typeface="Arial" panose="020B0604020202020204" pitchFamily="34" charset="0"/>
+              <a:buChar char="•"/>
+              <a:defRPr sz="1800" kern="1200">
+                <a:solidFill>
+                  <a:schemeClr val="tx1"/>
+                </a:solidFill>
+                <a:latin typeface="+mn-lt"/>
+                <a:ea typeface="+mn-ea"/>
+                <a:cs typeface="+mn-cs"/>
+              </a:defRPr>
+            </a:lvl5pPr>
+            <a:lvl6pPr marL="2514600" indent="-228600" algn="l" defTabSz="914400" rtl="0" eaLnBrk="1" latinLnBrk="0" hangingPunct="1">
+              <a:lnSpc>
+                <a:spcPct val="90000"/>
+              </a:lnSpc>
+              <a:spcBef>
+                <a:spcPts val="500"/>
+              </a:spcBef>
+              <a:buFont typeface="Arial" panose="020B0604020202020204" pitchFamily="34" charset="0"/>
+              <a:buChar char="•"/>
+              <a:defRPr sz="1800" kern="1200">
+                <a:solidFill>
+                  <a:schemeClr val="tx1"/>
+                </a:solidFill>
+                <a:latin typeface="+mn-lt"/>
+                <a:ea typeface="+mn-ea"/>
+                <a:cs typeface="+mn-cs"/>
+              </a:defRPr>
+            </a:lvl6pPr>
+            <a:lvl7pPr marL="2971800" indent="-228600" algn="l" defTabSz="914400" rtl="0" eaLnBrk="1" latinLnBrk="0" hangingPunct="1">
+              <a:lnSpc>
+                <a:spcPct val="90000"/>
+              </a:lnSpc>
+              <a:spcBef>
+                <a:spcPts val="500"/>
+              </a:spcBef>
+              <a:buFont typeface="Arial" panose="020B0604020202020204" pitchFamily="34" charset="0"/>
+              <a:buChar char="•"/>
+              <a:defRPr sz="1800" kern="1200">
+                <a:solidFill>
+                  <a:schemeClr val="tx1"/>
+                </a:solidFill>
+                <a:latin typeface="+mn-lt"/>
+                <a:ea typeface="+mn-ea"/>
+                <a:cs typeface="+mn-cs"/>
+              </a:defRPr>
+            </a:lvl7pPr>
+            <a:lvl8pPr marL="3429000" indent="-228600" algn="l" defTabSz="914400" rtl="0" eaLnBrk="1" latinLnBrk="0" hangingPunct="1">
+              <a:lnSpc>
+                <a:spcPct val="90000"/>
+              </a:lnSpc>
+              <a:spcBef>
+                <a:spcPts val="500"/>
+              </a:spcBef>
+              <a:buFont typeface="Arial" panose="020B0604020202020204" pitchFamily="34" charset="0"/>
+              <a:buChar char="•"/>
+              <a:defRPr sz="1800" kern="1200">
+                <a:solidFill>
+                  <a:schemeClr val="tx1"/>
+                </a:solidFill>
+                <a:latin typeface="+mn-lt"/>
+                <a:ea typeface="+mn-ea"/>
+                <a:cs typeface="+mn-cs"/>
+              </a:defRPr>
+            </a:lvl8pPr>
+            <a:lvl9pPr marL="3886200" indent="-228600" algn="l" defTabSz="914400" rtl="0" eaLnBrk="1" latinLnBrk="0" hangingPunct="1">
+              <a:lnSpc>
+                <a:spcPct val="90000"/>
+              </a:lnSpc>
+              <a:spcBef>
+                <a:spcPts val="500"/>
+              </a:spcBef>
+              <a:buFont typeface="Arial" panose="020B0604020202020204" pitchFamily="34" charset="0"/>
+              <a:buChar char="•"/>
+              <a:defRPr sz="1800" kern="1200">
+                <a:solidFill>
+                  <a:schemeClr val="tx1"/>
+                </a:solidFill>
+                <a:latin typeface="+mn-lt"/>
+                <a:ea typeface="+mn-ea"/>
+                <a:cs typeface="+mn-cs"/>
+              </a:defRPr>
+            </a:lvl9pPr>
+          </a:lstStyle>
+          <a:p>
+            <a:pPr marL="0" indent="0">
+              <a:buNone/>
+            </a:pPr>
+            <a:r>
+              <a:rPr lang="en-US" sz="1100" b="1" dirty="0"/>
+              <a:t>Robert Kaplan:</a:t>
+            </a:r>
+          </a:p>
+          <a:p>
+            <a:r>
+              <a:rPr lang="en-US" sz="1100" b="1" dirty="0"/>
+              <a:t>Goods are dis-inflating (somehow)</a:t>
+            </a:r>
+          </a:p>
+          <a:p>
+            <a:r>
+              <a:rPr lang="en-US" sz="1100" b="1" dirty="0"/>
+              <a:t>Services are sticky</a:t>
+            </a:r>
+          </a:p>
+          <a:p>
+            <a:r>
+              <a:rPr lang="en-US" sz="1100" b="1" dirty="0"/>
+              <a:t>CPI &amp; PPI are conflicting </a:t>
+            </a:r>
+          </a:p>
+          <a:p>
+            <a:r>
+              <a:rPr lang="en-US" sz="1100" b="1" dirty="0"/>
+              <a:t>Very restrictive monetary policy offset by under-estimated impact of very stimulative fiscal policy</a:t>
+            </a:r>
+          </a:p>
+          <a:p>
+            <a:r>
+              <a:rPr lang="en-US" sz="1100" b="1" dirty="0">
+                <a:hlinkClick r:id="rId4"/>
+              </a:rPr>
+              <a:t>https://www.youtube.com/watch?v=dL9KPeVI7Bo</a:t>
+            </a:r>
+            <a:r>
+              <a:rPr lang="en-US" sz="1100" b="1" dirty="0"/>
+              <a:t> </a:t>
+            </a:r>
+          </a:p>
+          <a:p>
+            <a:pPr marL="0" indent="0">
+              <a:buNone/>
+            </a:pPr>
+            <a:endParaRPr lang="en-US" sz="1100" b="1" dirty="0"/>
+          </a:p>
+          <a:p>
+            <a:pPr marL="0" indent="0">
+              <a:buNone/>
+            </a:pPr>
+            <a:endParaRPr lang="en-US" sz="1100" b="1" dirty="0"/>
           </a:p>
         </p:txBody>
       </p:sp>

--- a/mylearnings/mylecturenotes/PPI_and_CPI.pptx
+++ b/mylearnings/mylecturenotes/PPI_and_CPI.pptx
@@ -5481,16 +5481,9 @@
                 <a:solidFill>
                   <a:srgbClr val="002060"/>
                 </a:solidFill>
+                <a:hlinkClick r:id="rId4"/>
               </a:rPr>
-              <a:t>https://</a:t>
-            </a:r>
-            <a:r>
-              <a:rPr lang="en-US" sz="2000" b="1" dirty="0" err="1">
-                <a:solidFill>
-                  <a:srgbClr val="002060"/>
-                </a:solidFill>
-              </a:rPr>
-              <a:t>www.youtube.com</a:t>
+              <a:t>https://www.youtube.com/watch?v=h9clL36dnPU</a:t>
             </a:r>
             <a:r>
               <a:rPr lang="en-US" sz="2000" b="1" dirty="0">
@@ -5498,23 +5491,7 @@
                   <a:srgbClr val="002060"/>
                 </a:solidFill>
               </a:rPr>
-              <a:t>/</a:t>
-            </a:r>
-            <a:r>
-              <a:rPr lang="en-US" sz="2000" b="1" dirty="0" err="1">
-                <a:solidFill>
-                  <a:srgbClr val="002060"/>
-                </a:solidFill>
-              </a:rPr>
-              <a:t>watch?v</a:t>
-            </a:r>
-            <a:r>
-              <a:rPr lang="en-US" sz="2000" b="1" dirty="0">
-                <a:solidFill>
-                  <a:srgbClr val="002060"/>
-                </a:solidFill>
-              </a:rPr>
-              <a:t>=h9clL36dnPU</a:t>
+              <a:t> </a:t>
             </a:r>
           </a:p>
           <a:p>
@@ -5783,9 +5760,12 @@
             </a:r>
           </a:p>
           <a:p>
+            <a:pPr marL="0" indent="0">
+              <a:buNone/>
+            </a:pPr>
             <a:r>
               <a:rPr lang="en-US" sz="1100" b="1" dirty="0">
-                <a:hlinkClick r:id="rId4"/>
+                <a:hlinkClick r:id="rId5"/>
               </a:rPr>
               <a:t>https://www.youtube.com/watch?v=dL9KPeVI7Bo</a:t>
             </a:r>
